--- a/当代中国外交/中美关系（中国加入WTO）/1.pptx
+++ b/当代中国外交/中美关系（中国加入WTO）/1.pptx
@@ -227,7 +227,7 @@
           <a:p>
             <a:fld id="{1B2F98C7-9395-4E9A-96EC-DE4C39432AA7}" type="datetimeFigureOut">
               <a:rPr lang="zh-CN" altLang="en-US" smtClean="0"/>
-              <a:t>2019/5/21</a:t>
+              <a:t>2019/8/29</a:t>
             </a:fld>
             <a:endParaRPr lang="zh-CN" altLang="en-US"/>
           </a:p>
@@ -3474,7 +3474,7 @@
           <a:p>
             <a:fld id="{82A4C821-51AF-415E-BF5B-CDCDE3466362}" type="datetime1">
               <a:rPr lang="zh-CN" altLang="en-US" smtClean="0"/>
-              <a:t>2019/5/21</a:t>
+              <a:t>2019/8/29</a:t>
             </a:fld>
             <a:endParaRPr lang="zh-CN" altLang="en-US"/>
           </a:p>
@@ -5590,7 +5590,7 @@
         </p:blipFill>
         <p:spPr>
           <a:xfrm>
-            <a:off x="1508494" y="1771650"/>
+            <a:off x="1523485" y="1771650"/>
             <a:ext cx="2749243" cy="3662238"/>
           </a:xfrm>
           <a:prstGeom prst="rect">

--- a/当代中国外交/中美关系（中国加入WTO）/1.pptx
+++ b/当代中国外交/中美关系（中国加入WTO）/1.pptx
@@ -227,7 +227,7 @@
           <a:p>
             <a:fld id="{1B2F98C7-9395-4E9A-96EC-DE4C39432AA7}" type="datetimeFigureOut">
               <a:rPr lang="zh-CN" altLang="en-US" smtClean="0"/>
-              <a:t>2019/8/29</a:t>
+              <a:t>2019/8/30</a:t>
             </a:fld>
             <a:endParaRPr lang="zh-CN" altLang="en-US"/>
           </a:p>
@@ -3474,7 +3474,7 @@
           <a:p>
             <a:fld id="{82A4C821-51AF-415E-BF5B-CDCDE3466362}" type="datetime1">
               <a:rPr lang="zh-CN" altLang="en-US" smtClean="0"/>
-              <a:t>2019/8/29</a:t>
+              <a:t>2019/8/30</a:t>
             </a:fld>
             <a:endParaRPr lang="zh-CN" altLang="en-US"/>
           </a:p>
